--- a/graph/graphs.pptx
+++ b/graph/graphs.pptx
@@ -11,6 +11,7 @@
     <p:sldId id="259" r:id="rId9"/>
     <p:sldId id="260" r:id="rId10"/>
     <p:sldId id="261" r:id="rId11"/>
+    <p:sldId id="262" r:id="rId12"/>
   </p:sldIdLst>
   <p:sldSz cx="12192000" cy="6858000"/>
   <p:notesSz cx="6858000" cy="9144000"/>
@@ -3331,7 +3332,7 @@
           <p:cNvPr id="0" name="slide1">
             <a:extLst>
               <a:ext uri="{FF2B5EF4-FFF2-40B4-BE49-F238E27FC236}">
-                <a16:creationId xmlns:a16="http://schemas.microsoft.com/office/drawing/2014/main" id="{F0DDF531-04ED-48EA-891F-0E19774E7077}"/>
+                <a16:creationId xmlns:a16="http://schemas.microsoft.com/office/drawing/2014/main" id="{D8F13F23-B93E-4BCE-B9DD-F77B7977EA60}"/>
               </a:ext>
             </a:extLst>
           </p:cNvPr>
@@ -3359,7 +3360,7 @@
           <p:cNvPr id="1" name="slide1">
             <a:extLst>
               <a:ext uri="{FF2B5EF4-FFF2-40B4-BE49-F238E27FC236}">
-                <a16:creationId xmlns:a16="http://schemas.microsoft.com/office/drawing/2014/main" id="{B9D32C60-9FF9-4489-9506-962571870B65}"/>
+                <a16:creationId xmlns:a16="http://schemas.microsoft.com/office/drawing/2014/main" id="{14FDC4DA-7564-41A2-A427-05ADCB9BB39A}"/>
               </a:ext>
             </a:extLst>
           </p:cNvPr>
@@ -3377,7 +3378,7 @@
           <a:p>
             <a:r>
               <a:rPr/>
-              <a:t>File created on: 17/06/19 17:22:57 GMT-03:00</a:t>
+              <a:t>File created on: 17/06/19 18:21:54 GMT-03:00</a:t>
             </a:r>
           </a:p>
         </p:txBody>
@@ -3417,7 +3418,7 @@
           <p:cNvPr id="2" name="slide2">
             <a:extLst>
               <a:ext uri="{FF2B5EF4-FFF2-40B4-BE49-F238E27FC236}">
-                <a16:creationId xmlns:a16="http://schemas.microsoft.com/office/drawing/2014/main" id="{31646DB0-0456-419E-8890-57B009CFAD12}"/>
+                <a16:creationId xmlns:a16="http://schemas.microsoft.com/office/drawing/2014/main" id="{6FE2A44F-471F-4994-AF06-67AA459377C1}"/>
               </a:ext>
             </a:extLst>
           </p:cNvPr>
@@ -3440,8 +3441,8 @@
         </p:blipFill>
         <p:spPr>
           <a:xfrm>
-            <a:off x="3042535" y="0"/>
-            <a:ext cx="6106928" cy="6858000"/>
+            <a:off x="2932415" y="0"/>
+            <a:ext cx="6327168" cy="6858000"/>
           </a:xfrm>
           <a:prstGeom prst="rect">
             <a:avLst/>
@@ -3483,7 +3484,7 @@
           <p:cNvPr id="3" name="slide3">
             <a:extLst>
               <a:ext uri="{FF2B5EF4-FFF2-40B4-BE49-F238E27FC236}">
-                <a16:creationId xmlns:a16="http://schemas.microsoft.com/office/drawing/2014/main" id="{FA7CF149-1CBD-41A2-9745-718E8D81AA28}"/>
+                <a16:creationId xmlns:a16="http://schemas.microsoft.com/office/drawing/2014/main" id="{A922EB27-8D24-42E3-B7E4-31086F0DECDC}"/>
               </a:ext>
             </a:extLst>
           </p:cNvPr>
@@ -3506,8 +3507,8 @@
         </p:blipFill>
         <p:spPr>
           <a:xfrm>
-            <a:off x="543434" y="0"/>
-            <a:ext cx="11105132" cy="6858000"/>
+            <a:off x="3042535" y="0"/>
+            <a:ext cx="6106928" cy="6858000"/>
           </a:xfrm>
           <a:prstGeom prst="rect">
             <a:avLst/>
@@ -3549,7 +3550,7 @@
           <p:cNvPr id="4" name="slide4">
             <a:extLst>
               <a:ext uri="{FF2B5EF4-FFF2-40B4-BE49-F238E27FC236}">
-                <a16:creationId xmlns:a16="http://schemas.microsoft.com/office/drawing/2014/main" id="{8239FE1F-F2EC-4021-BE6E-D4E7457F0CC3}"/>
+                <a16:creationId xmlns:a16="http://schemas.microsoft.com/office/drawing/2014/main" id="{E2D30523-1FED-4C27-B40F-B67B95740030}"/>
               </a:ext>
             </a:extLst>
           </p:cNvPr>
@@ -3572,8 +3573,8 @@
         </p:blipFill>
         <p:spPr>
           <a:xfrm>
-            <a:off x="0" y="320202"/>
-            <a:ext cx="12192000" cy="6217596"/>
+            <a:off x="543434" y="0"/>
+            <a:ext cx="11105132" cy="6858000"/>
           </a:xfrm>
           <a:prstGeom prst="rect">
             <a:avLst/>
@@ -3615,7 +3616,7 @@
           <p:cNvPr id="5" name="slide5">
             <a:extLst>
               <a:ext uri="{FF2B5EF4-FFF2-40B4-BE49-F238E27FC236}">
-                <a16:creationId xmlns:a16="http://schemas.microsoft.com/office/drawing/2014/main" id="{E854AFBA-2101-41C6-A37E-135D6A3626F5}"/>
+                <a16:creationId xmlns:a16="http://schemas.microsoft.com/office/drawing/2014/main" id="{AE37C93C-BD27-41FF-B347-C7015195DDE3}"/>
               </a:ext>
             </a:extLst>
           </p:cNvPr>
@@ -3638,8 +3639,8 @@
         </p:blipFill>
         <p:spPr>
           <a:xfrm>
-            <a:off x="0" y="334604"/>
-            <a:ext cx="12192000" cy="6188791"/>
+            <a:off x="0" y="320202"/>
+            <a:ext cx="12192000" cy="6217596"/>
           </a:xfrm>
           <a:prstGeom prst="rect">
             <a:avLst/>
@@ -3681,7 +3682,7 @@
           <p:cNvPr id="6" name="slide6">
             <a:extLst>
               <a:ext uri="{FF2B5EF4-FFF2-40B4-BE49-F238E27FC236}">
-                <a16:creationId xmlns:a16="http://schemas.microsoft.com/office/drawing/2014/main" id="{CACE370B-5FED-4597-B5A9-4D0C98E6A7EE}"/>
+                <a16:creationId xmlns:a16="http://schemas.microsoft.com/office/drawing/2014/main" id="{DBBDF33A-85DB-4FE8-A5B2-B57C926631D0}"/>
               </a:ext>
             </a:extLst>
           </p:cNvPr>
@@ -3692,6 +3693,72 @@
         </p:nvPicPr>
         <p:blipFill>
           <a:blip r:embed="rId11">
+            <a:extLst>
+              <a:ext uri="{28A0092B-C50C-407E-A947-70E740481C1C}">
+                <a14:useLocalDpi xmlns:a14="http://schemas.microsoft.com/office/drawing/2010/main" val="0"/>
+              </a:ext>
+            </a:extLst>
+          </a:blip>
+          <a:stretch>
+            <a:fillRect/>
+          </a:stretch>
+        </p:blipFill>
+        <p:spPr>
+          <a:xfrm>
+            <a:off x="0" y="334604"/>
+            <a:ext cx="12192000" cy="6188791"/>
+          </a:xfrm>
+          <a:prstGeom prst="rect">
+            <a:avLst/>
+          </a:prstGeom>
+        </p:spPr>
+      </p:pic>
+    </p:spTree>
+    <p:extLst>
+      <p:ext uri="{BB962C8B-B14F-4D97-AF65-F5344CB8AC3E}">
+        <p14:creationId xmlns:p14="http://schemas.microsoft.com/office/powerpoint/2010/main" val="95992585"/>
+      </p:ext>
+    </p:extLst>
+  </p:cSld>
+  <p:clrMapOvr>
+    <a:masterClrMapping/>
+  </p:clrMapOvr>
+</p:sld>
+</file>
+
+<file path=ppt/slides/slide7.xml><?xml version="1.0" encoding="utf-8"?>
+<p:sld xmlns:a="http://schemas.openxmlformats.org/drawingml/2006/main" xmlns:p="http://schemas.openxmlformats.org/presentationml/2006/main" xmlns:r="http://schemas.openxmlformats.org/officeDocument/2006/relationships">
+  <p:cSld>
+    <p:spTree>
+      <p:nvGrpSpPr>
+        <p:cNvPr id="1" name=""/>
+        <p:cNvGrpSpPr/>
+        <p:nvPr/>
+      </p:nvGrpSpPr>
+      <p:grpSpPr>
+        <a:xfrm>
+          <a:off x="0" y="0"/>
+          <a:ext cx="0" cy="0"/>
+          <a:chOff x="0" y="0"/>
+          <a:chExt cx="0" cy="0"/>
+        </a:xfrm>
+      </p:grpSpPr>
+      <p:pic>
+        <p:nvPicPr>
+          <p:cNvPr id="7" name="slide7">
+            <a:extLst>
+              <a:ext uri="{FF2B5EF4-FFF2-40B4-BE49-F238E27FC236}">
+                <a16:creationId xmlns:a16="http://schemas.microsoft.com/office/drawing/2014/main" id="{C19325FE-E35F-44E4-92C1-AB9AFDDE7312}"/>
+              </a:ext>
+            </a:extLst>
+          </p:cNvPr>
+          <p:cNvPicPr>
+            <a:picLocks noChangeAspect="1"/>
+          </p:cNvPicPr>
+          <p:nvPr/>
+        </p:nvPicPr>
+        <p:blipFill>
+          <a:blip r:embed="rId12">
             <a:extLst>
               <a:ext uri="{28A0092B-C50C-407E-A947-70E740481C1C}">
                 <a14:useLocalDpi xmlns:a14="http://schemas.microsoft.com/office/drawing/2010/main" val="0"/>
